--- a/assignments/bikkasandra/week-17-presentation/UnderstandingWebArchivingServicesAndTheir(Mis)UseonSocialMedia.pptx
+++ b/assignments/bikkasandra/week-17-presentation/UnderstandingWebArchivingServicesAndTheir(Mis)UseonSocialMedia.pptx
@@ -903,7 +903,7 @@
   <p:cSld>
     <p:spTree>
       <p:nvGrpSpPr>
-        <p:cNvPr id="124" name="Shape 124"/>
+        <p:cNvPr id="125" name="Shape 125"/>
         <p:cNvGrpSpPr/>
         <p:nvPr/>
       </p:nvGrpSpPr>
@@ -917,7 +917,7 @@
       </p:grpSpPr>
       <p:sp>
         <p:nvSpPr>
-          <p:cNvPr id="125" name="Google Shape;125;g590ebe4970_0_78:notes"/>
+          <p:cNvPr id="126" name="Google Shape;126;g590ebe4970_0_78:notes"/>
           <p:cNvSpPr/>
           <p:nvPr>
             <p:ph idx="2" type="sldImg"/>
@@ -952,7 +952,7 @@
       </p:sp>
       <p:sp>
         <p:nvSpPr>
-          <p:cNvPr id="126" name="Google Shape;126;g590ebe4970_0_78:notes"/>
+          <p:cNvPr id="127" name="Google Shape;127;g590ebe4970_0_78:notes"/>
           <p:cNvSpPr txBox="1"/>
           <p:nvPr>
             <p:ph idx="1" type="body"/>
@@ -1002,7 +1002,7 @@
   <p:cSld>
     <p:spTree>
       <p:nvGrpSpPr>
-        <p:cNvPr id="131" name="Shape 131"/>
+        <p:cNvPr id="132" name="Shape 132"/>
         <p:cNvGrpSpPr/>
         <p:nvPr/>
       </p:nvGrpSpPr>
@@ -1016,7 +1016,7 @@
       </p:grpSpPr>
       <p:sp>
         <p:nvSpPr>
-          <p:cNvPr id="132" name="Google Shape;132;g590ebe4970_0_94:notes"/>
+          <p:cNvPr id="133" name="Google Shape;133;g590ebe4970_0_94:notes"/>
           <p:cNvSpPr/>
           <p:nvPr>
             <p:ph idx="2" type="sldImg"/>
@@ -1051,7 +1051,7 @@
       </p:sp>
       <p:sp>
         <p:nvSpPr>
-          <p:cNvPr id="133" name="Google Shape;133;g590ebe4970_0_94:notes"/>
+          <p:cNvPr id="134" name="Google Shape;134;g590ebe4970_0_94:notes"/>
           <p:cNvSpPr txBox="1"/>
           <p:nvPr>
             <p:ph idx="1" type="body"/>
@@ -1101,7 +1101,7 @@
   <p:cSld>
     <p:spTree>
       <p:nvGrpSpPr>
-        <p:cNvPr id="139" name="Shape 139"/>
+        <p:cNvPr id="140" name="Shape 140"/>
         <p:cNvGrpSpPr/>
         <p:nvPr/>
       </p:nvGrpSpPr>
@@ -1115,7 +1115,7 @@
       </p:grpSpPr>
       <p:sp>
         <p:nvSpPr>
-          <p:cNvPr id="140" name="Google Shape;140;g590ebe4970_0_102:notes"/>
+          <p:cNvPr id="141" name="Google Shape;141;g590ebe4970_0_102:notes"/>
           <p:cNvSpPr/>
           <p:nvPr>
             <p:ph idx="2" type="sldImg"/>
@@ -1150,7 +1150,7 @@
       </p:sp>
       <p:sp>
         <p:nvSpPr>
-          <p:cNvPr id="141" name="Google Shape;141;g590ebe4970_0_102:notes"/>
+          <p:cNvPr id="142" name="Google Shape;142;g590ebe4970_0_102:notes"/>
           <p:cNvSpPr txBox="1"/>
           <p:nvPr>
             <p:ph idx="1" type="body"/>
@@ -1200,7 +1200,7 @@
   <p:cSld>
     <p:spTree>
       <p:nvGrpSpPr>
-        <p:cNvPr id="147" name="Shape 147"/>
+        <p:cNvPr id="148" name="Shape 148"/>
         <p:cNvGrpSpPr/>
         <p:nvPr/>
       </p:nvGrpSpPr>
@@ -1214,7 +1214,7 @@
       </p:grpSpPr>
       <p:sp>
         <p:nvSpPr>
-          <p:cNvPr id="148" name="Google Shape;148;g590ebe4970_0_114:notes"/>
+          <p:cNvPr id="149" name="Google Shape;149;g590ebe4970_0_114:notes"/>
           <p:cNvSpPr/>
           <p:nvPr>
             <p:ph idx="2" type="sldImg"/>
@@ -1249,7 +1249,7 @@
       </p:sp>
       <p:sp>
         <p:nvSpPr>
-          <p:cNvPr id="149" name="Google Shape;149;g590ebe4970_0_114:notes"/>
+          <p:cNvPr id="150" name="Google Shape;150;g590ebe4970_0_114:notes"/>
           <p:cNvSpPr txBox="1"/>
           <p:nvPr>
             <p:ph idx="1" type="body"/>
@@ -1299,7 +1299,7 @@
   <p:cSld>
     <p:spTree>
       <p:nvGrpSpPr>
-        <p:cNvPr id="157" name="Shape 157"/>
+        <p:cNvPr id="158" name="Shape 158"/>
         <p:cNvGrpSpPr/>
         <p:nvPr/>
       </p:nvGrpSpPr>
@@ -1313,7 +1313,7 @@
       </p:grpSpPr>
       <p:sp>
         <p:nvSpPr>
-          <p:cNvPr id="158" name="Google Shape;158;g590ebe4970_0_132:notes"/>
+          <p:cNvPr id="159" name="Google Shape;159;g590ebe4970_0_132:notes"/>
           <p:cNvSpPr/>
           <p:nvPr>
             <p:ph idx="2" type="sldImg"/>
@@ -1348,7 +1348,7 @@
       </p:sp>
       <p:sp>
         <p:nvSpPr>
-          <p:cNvPr id="159" name="Google Shape;159;g590ebe4970_0_132:notes"/>
+          <p:cNvPr id="160" name="Google Shape;160;g590ebe4970_0_132:notes"/>
           <p:cNvSpPr txBox="1"/>
           <p:nvPr>
             <p:ph idx="1" type="body"/>
@@ -1398,7 +1398,7 @@
   <p:cSld>
     <p:spTree>
       <p:nvGrpSpPr>
-        <p:cNvPr id="165" name="Shape 165"/>
+        <p:cNvPr id="166" name="Shape 166"/>
         <p:cNvGrpSpPr/>
         <p:nvPr/>
       </p:nvGrpSpPr>
@@ -1412,7 +1412,7 @@
       </p:grpSpPr>
       <p:sp>
         <p:nvSpPr>
-          <p:cNvPr id="166" name="Google Shape;166;g590ebe4970_0_123:notes"/>
+          <p:cNvPr id="167" name="Google Shape;167;g590ebe4970_0_123:notes"/>
           <p:cNvSpPr/>
           <p:nvPr>
             <p:ph idx="2" type="sldImg"/>
@@ -1447,7 +1447,7 @@
       </p:sp>
       <p:sp>
         <p:nvSpPr>
-          <p:cNvPr id="167" name="Google Shape;167;g590ebe4970_0_123:notes"/>
+          <p:cNvPr id="168" name="Google Shape;168;g590ebe4970_0_123:notes"/>
           <p:cNvSpPr txBox="1"/>
           <p:nvPr>
             <p:ph idx="1" type="body"/>
@@ -1497,7 +1497,7 @@
   <p:cSld>
     <p:spTree>
       <p:nvGrpSpPr>
-        <p:cNvPr id="173" name="Shape 173"/>
+        <p:cNvPr id="174" name="Shape 174"/>
         <p:cNvGrpSpPr/>
         <p:nvPr/>
       </p:nvGrpSpPr>
@@ -1511,7 +1511,7 @@
       </p:grpSpPr>
       <p:sp>
         <p:nvSpPr>
-          <p:cNvPr id="174" name="Google Shape;174;g590ebe4970_0_140:notes"/>
+          <p:cNvPr id="175" name="Google Shape;175;g590ebe4970_0_140:notes"/>
           <p:cNvSpPr/>
           <p:nvPr>
             <p:ph idx="2" type="sldImg"/>
@@ -1546,7 +1546,7 @@
       </p:sp>
       <p:sp>
         <p:nvSpPr>
-          <p:cNvPr id="175" name="Google Shape;175;g590ebe4970_0_140:notes"/>
+          <p:cNvPr id="176" name="Google Shape;176;g590ebe4970_0_140:notes"/>
           <p:cNvSpPr txBox="1"/>
           <p:nvPr>
             <p:ph idx="1" type="body"/>
@@ -7210,7 +7210,7 @@
         </p:nvSpPr>
         <p:spPr>
           <a:xfrm>
-            <a:off x="311700" y="445025"/>
+            <a:off x="311700" y="256175"/>
             <a:ext cx="8520600" cy="572700"/>
           </a:xfrm>
           <a:prstGeom prst="rect">
@@ -7264,7 +7264,7 @@
         </p:blipFill>
         <p:spPr>
           <a:xfrm>
-            <a:off x="152400" y="1170125"/>
+            <a:off x="152400" y="959050"/>
             <a:ext cx="8839200" cy="3581051"/>
           </a:xfrm>
           <a:prstGeom prst="rect">
@@ -7276,6 +7276,90 @@
           </a:ln>
         </p:spPr>
       </p:pic>
+      <p:sp>
+        <p:nvSpPr>
+          <p:cNvPr id="124" name="Google Shape;124;p22"/>
+          <p:cNvSpPr txBox="1"/>
+          <p:nvPr/>
+        </p:nvSpPr>
+        <p:spPr>
+          <a:xfrm>
+            <a:off x="810950" y="4665800"/>
+            <a:ext cx="7532100" cy="477600"/>
+          </a:xfrm>
+          <a:prstGeom prst="rect">
+            <a:avLst/>
+          </a:prstGeom>
+          <a:noFill/>
+          <a:ln>
+            <a:noFill/>
+          </a:ln>
+        </p:spPr>
+        <p:txBody>
+          <a:bodyPr anchorCtr="0" anchor="t" bIns="91425" lIns="91425" spcFirstLastPara="1" rIns="91425" wrap="square" tIns="91425">
+            <a:noAutofit/>
+          </a:bodyPr>
+          <a:lstStyle/>
+          <a:p>
+            <a:pPr indent="0" lvl="0" marL="0" rtl="0" algn="ctr">
+              <a:spcBef>
+                <a:spcPts val="0"/>
+              </a:spcBef>
+              <a:spcAft>
+                <a:spcPts val="0"/>
+              </a:spcAft>
+              <a:buClr>
+                <a:schemeClr val="dk1"/>
+              </a:buClr>
+              <a:buSzPts val="1100"/>
+              <a:buFont typeface="Arial"/>
+              <a:buNone/>
+            </a:pPr>
+            <a:r>
+              <a:rPr b="1" lang="en" sz="1200">
+                <a:solidFill>
+                  <a:schemeClr val="dk1"/>
+                </a:solidFill>
+              </a:rPr>
+              <a:t>Source:</a:t>
+            </a:r>
+            <a:r>
+              <a:rPr lang="en">
+                <a:solidFill>
+                  <a:schemeClr val="dk1"/>
+                </a:solidFill>
+              </a:rPr>
+              <a:t> </a:t>
+            </a:r>
+            <a:r>
+              <a:rPr lang="en" sz="1000">
+                <a:solidFill>
+                  <a:schemeClr val="dk1"/>
+                </a:solidFill>
+              </a:rPr>
+              <a:t>Figure 2 -</a:t>
+            </a:r>
+            <a:r>
+              <a:rPr lang="en">
+                <a:solidFill>
+                  <a:schemeClr val="dk1"/>
+                </a:solidFill>
+              </a:rPr>
+              <a:t> </a:t>
+            </a:r>
+            <a:r>
+              <a:rPr lang="en" sz="1100" u="sng">
+                <a:solidFill>
+                  <a:schemeClr val="accent5"/>
+                </a:solidFill>
+                <a:hlinkClick r:id="rId4"/>
+              </a:rPr>
+              <a:t>https://arxiv.org/pdf/1801.10396.pdf</a:t>
+            </a:r>
+            <a:endParaRPr/>
+          </a:p>
+        </p:txBody>
+      </p:sp>
     </p:spTree>
   </p:cSld>
   <p:clrMapOvr>
@@ -7289,7 +7373,7 @@
   <p:cSld>
     <p:spTree>
       <p:nvGrpSpPr>
-        <p:cNvPr id="127" name="Shape 127"/>
+        <p:cNvPr id="128" name="Shape 128"/>
         <p:cNvGrpSpPr/>
         <p:nvPr/>
       </p:nvGrpSpPr>
@@ -7303,7 +7387,7 @@
       </p:grpSpPr>
       <p:pic>
         <p:nvPicPr>
-          <p:cNvPr id="128" name="Google Shape;128;p23"/>
+          <p:cNvPr id="129" name="Google Shape;129;p23"/>
           <p:cNvPicPr preferRelativeResize="0"/>
           <p:nvPr/>
         </p:nvPicPr>
@@ -7331,7 +7415,7 @@
       </p:pic>
       <p:sp>
         <p:nvSpPr>
-          <p:cNvPr id="129" name="Google Shape;129;p23"/>
+          <p:cNvPr id="130" name="Google Shape;130;p23"/>
           <p:cNvSpPr txBox="1"/>
           <p:nvPr/>
         </p:nvSpPr>
@@ -7381,7 +7465,7 @@
       </p:sp>
       <p:sp>
         <p:nvSpPr>
-          <p:cNvPr id="130" name="Google Shape;130;p23"/>
+          <p:cNvPr id="131" name="Google Shape;131;p23"/>
           <p:cNvSpPr txBox="1"/>
           <p:nvPr/>
         </p:nvSpPr>
@@ -7413,6 +7497,38 @@
               </a:spcAft>
               <a:buNone/>
             </a:pPr>
+            <a:r>
+              <a:rPr b="1" lang="en" sz="1200">
+                <a:solidFill>
+                  <a:schemeClr val="dk1"/>
+                </a:solidFill>
+              </a:rPr>
+              <a:t>Source:</a:t>
+            </a:r>
+            <a:r>
+              <a:rPr lang="en">
+                <a:solidFill>
+                  <a:schemeClr val="dk1"/>
+                </a:solidFill>
+              </a:rPr>
+              <a:t> </a:t>
+            </a:r>
+            <a:r>
+              <a:rPr lang="en" sz="1000">
+                <a:solidFill>
+                  <a:schemeClr val="dk1"/>
+                </a:solidFill>
+              </a:rPr>
+              <a:t>Figure 3 -</a:t>
+            </a:r>
+            <a:r>
+              <a:rPr lang="en">
+                <a:solidFill>
+                  <a:schemeClr val="dk1"/>
+                </a:solidFill>
+              </a:rPr>
+              <a:t> </a:t>
+            </a:r>
             <a:r>
               <a:rPr lang="en" sz="1100" u="sng">
                 <a:solidFill>
@@ -7439,7 +7555,7 @@
   <p:cSld>
     <p:spTree>
       <p:nvGrpSpPr>
-        <p:cNvPr id="134" name="Shape 134"/>
+        <p:cNvPr id="135" name="Shape 135"/>
         <p:cNvGrpSpPr/>
         <p:nvPr/>
       </p:nvGrpSpPr>
@@ -7453,7 +7569,7 @@
       </p:grpSpPr>
       <p:sp>
         <p:nvSpPr>
-          <p:cNvPr id="135" name="Google Shape;135;p24"/>
+          <p:cNvPr id="136" name="Google Shape;136;p24"/>
           <p:cNvSpPr txBox="1"/>
           <p:nvPr>
             <p:ph type="title"/>
@@ -7501,7 +7617,7 @@
       </p:sp>
       <p:pic>
         <p:nvPicPr>
-          <p:cNvPr id="136" name="Google Shape;136;p24"/>
+          <p:cNvPr id="137" name="Google Shape;137;p24"/>
           <p:cNvPicPr preferRelativeResize="0"/>
           <p:nvPr/>
         </p:nvPicPr>
@@ -7529,7 +7645,7 @@
       </p:pic>
       <p:sp>
         <p:nvSpPr>
-          <p:cNvPr id="137" name="Google Shape;137;p24"/>
+          <p:cNvPr id="138" name="Google Shape;138;p24"/>
           <p:cNvSpPr txBox="1"/>
           <p:nvPr/>
         </p:nvSpPr>
@@ -7562,6 +7678,38 @@
               <a:buNone/>
             </a:pPr>
             <a:r>
+              <a:rPr b="1" lang="en" sz="1200">
+                <a:solidFill>
+                  <a:schemeClr val="dk1"/>
+                </a:solidFill>
+              </a:rPr>
+              <a:t>Source:</a:t>
+            </a:r>
+            <a:r>
+              <a:rPr lang="en">
+                <a:solidFill>
+                  <a:schemeClr val="dk1"/>
+                </a:solidFill>
+              </a:rPr>
+              <a:t> </a:t>
+            </a:r>
+            <a:r>
+              <a:rPr lang="en" sz="1000">
+                <a:solidFill>
+                  <a:schemeClr val="dk1"/>
+                </a:solidFill>
+              </a:rPr>
+              <a:t>Figure 4 -</a:t>
+            </a:r>
+            <a:r>
+              <a:rPr lang="en">
+                <a:solidFill>
+                  <a:schemeClr val="dk1"/>
+                </a:solidFill>
+              </a:rPr>
+              <a:t> </a:t>
+            </a:r>
+            <a:r>
               <a:rPr lang="en" sz="1100" u="sng">
                 <a:solidFill>
                   <a:schemeClr val="hlink"/>
@@ -7576,7 +7724,7 @@
       </p:sp>
       <p:sp>
         <p:nvSpPr>
-          <p:cNvPr id="138" name="Google Shape;138;p24"/>
+          <p:cNvPr id="139" name="Google Shape;139;p24"/>
           <p:cNvSpPr txBox="1"/>
           <p:nvPr/>
         </p:nvSpPr>
@@ -7629,7 +7777,7 @@
   <p:cSld>
     <p:spTree>
       <p:nvGrpSpPr>
-        <p:cNvPr id="142" name="Shape 142"/>
+        <p:cNvPr id="143" name="Shape 143"/>
         <p:cNvGrpSpPr/>
         <p:nvPr/>
       </p:nvGrpSpPr>
@@ -7643,7 +7791,7 @@
       </p:grpSpPr>
       <p:sp>
         <p:nvSpPr>
-          <p:cNvPr id="143" name="Google Shape;143;p25"/>
+          <p:cNvPr id="144" name="Google Shape;144;p25"/>
           <p:cNvSpPr txBox="1"/>
           <p:nvPr>
             <p:ph type="title"/>
@@ -7691,7 +7839,7 @@
       </p:sp>
       <p:pic>
         <p:nvPicPr>
-          <p:cNvPr id="144" name="Google Shape;144;p25"/>
+          <p:cNvPr id="145" name="Google Shape;145;p25"/>
           <p:cNvPicPr preferRelativeResize="0"/>
           <p:nvPr/>
         </p:nvPicPr>
@@ -7719,7 +7867,7 @@
       </p:pic>
       <p:sp>
         <p:nvSpPr>
-          <p:cNvPr id="145" name="Google Shape;145;p25"/>
+          <p:cNvPr id="146" name="Google Shape;146;p25"/>
           <p:cNvSpPr txBox="1"/>
           <p:nvPr/>
         </p:nvSpPr>
@@ -7765,7 +7913,7 @@
       </p:sp>
       <p:sp>
         <p:nvSpPr>
-          <p:cNvPr id="146" name="Google Shape;146;p25"/>
+          <p:cNvPr id="147" name="Google Shape;147;p25"/>
           <p:cNvSpPr txBox="1"/>
           <p:nvPr/>
         </p:nvSpPr>
@@ -7797,6 +7945,38 @@
               </a:spcAft>
               <a:buNone/>
             </a:pPr>
+            <a:r>
+              <a:rPr b="1" lang="en" sz="1200">
+                <a:solidFill>
+                  <a:schemeClr val="dk1"/>
+                </a:solidFill>
+              </a:rPr>
+              <a:t>Source:</a:t>
+            </a:r>
+            <a:r>
+              <a:rPr lang="en">
+                <a:solidFill>
+                  <a:schemeClr val="dk1"/>
+                </a:solidFill>
+              </a:rPr>
+              <a:t> </a:t>
+            </a:r>
+            <a:r>
+              <a:rPr lang="en" sz="1000">
+                <a:solidFill>
+                  <a:schemeClr val="dk1"/>
+                </a:solidFill>
+              </a:rPr>
+              <a:t>Figure 5 -</a:t>
+            </a:r>
+            <a:r>
+              <a:rPr lang="en">
+                <a:solidFill>
+                  <a:schemeClr val="dk1"/>
+                </a:solidFill>
+              </a:rPr>
+              <a:t> </a:t>
+            </a:r>
             <a:r>
               <a:rPr lang="en" sz="1100" u="sng">
                 <a:solidFill>
@@ -7823,7 +8003,7 @@
   <p:cSld>
     <p:spTree>
       <p:nvGrpSpPr>
-        <p:cNvPr id="150" name="Shape 150"/>
+        <p:cNvPr id="151" name="Shape 151"/>
         <p:cNvGrpSpPr/>
         <p:nvPr/>
       </p:nvGrpSpPr>
@@ -7837,7 +8017,7 @@
       </p:grpSpPr>
       <p:sp>
         <p:nvSpPr>
-          <p:cNvPr id="151" name="Google Shape;151;p26"/>
+          <p:cNvPr id="152" name="Google Shape;152;p26"/>
           <p:cNvSpPr txBox="1"/>
           <p:nvPr>
             <p:ph type="title"/>
@@ -7901,7 +8081,7 @@
       </p:sp>
       <p:pic>
         <p:nvPicPr>
-          <p:cNvPr id="152" name="Google Shape;152;p26"/>
+          <p:cNvPr id="153" name="Google Shape;153;p26"/>
           <p:cNvPicPr preferRelativeResize="0"/>
           <p:nvPr/>
         </p:nvPicPr>
@@ -7929,7 +8109,7 @@
       </p:pic>
       <p:pic>
         <p:nvPicPr>
-          <p:cNvPr id="153" name="Google Shape;153;p26"/>
+          <p:cNvPr id="154" name="Google Shape;154;p26"/>
           <p:cNvPicPr preferRelativeResize="0"/>
           <p:nvPr/>
         </p:nvPicPr>
@@ -7957,7 +8137,7 @@
       </p:pic>
       <p:sp>
         <p:nvSpPr>
-          <p:cNvPr id="154" name="Google Shape;154;p26"/>
+          <p:cNvPr id="155" name="Google Shape;155;p26"/>
           <p:cNvSpPr txBox="1"/>
           <p:nvPr/>
         </p:nvSpPr>
@@ -7990,6 +8170,22 @@
               <a:buNone/>
             </a:pPr>
             <a:r>
+              <a:rPr b="1" lang="en" sz="1200"/>
+              <a:t>Source:</a:t>
+            </a:r>
+            <a:r>
+              <a:rPr lang="en"/>
+              <a:t> </a:t>
+            </a:r>
+            <a:r>
+              <a:rPr lang="en" sz="1000"/>
+              <a:t>Table 7 -</a:t>
+            </a:r>
+            <a:r>
+              <a:rPr lang="en"/>
+              <a:t> </a:t>
+            </a:r>
+            <a:r>
               <a:rPr lang="en" sz="1100" u="sng">
                 <a:solidFill>
                   <a:schemeClr val="hlink"/>
@@ -8004,7 +8200,7 @@
       </p:sp>
       <p:sp>
         <p:nvSpPr>
-          <p:cNvPr id="155" name="Google Shape;155;p26"/>
+          <p:cNvPr id="156" name="Google Shape;156;p26"/>
           <p:cNvSpPr txBox="1"/>
           <p:nvPr/>
         </p:nvSpPr>
@@ -8046,7 +8242,7 @@
       </p:sp>
       <p:sp>
         <p:nvSpPr>
-          <p:cNvPr id="156" name="Google Shape;156;p26"/>
+          <p:cNvPr id="157" name="Google Shape;157;p26"/>
           <p:cNvSpPr txBox="1"/>
           <p:nvPr/>
         </p:nvSpPr>
@@ -8103,7 +8299,7 @@
   <p:cSld>
     <p:spTree>
       <p:nvGrpSpPr>
-        <p:cNvPr id="160" name="Shape 160"/>
+        <p:cNvPr id="161" name="Shape 161"/>
         <p:cNvGrpSpPr/>
         <p:nvPr/>
       </p:nvGrpSpPr>
@@ -8117,7 +8313,7 @@
       </p:grpSpPr>
       <p:sp>
         <p:nvSpPr>
-          <p:cNvPr id="161" name="Google Shape;161;p27"/>
+          <p:cNvPr id="162" name="Google Shape;162;p27"/>
           <p:cNvSpPr txBox="1"/>
           <p:nvPr>
             <p:ph type="title"/>
@@ -8185,7 +8381,7 @@
       </p:sp>
       <p:pic>
         <p:nvPicPr>
-          <p:cNvPr id="162" name="Google Shape;162;p27"/>
+          <p:cNvPr id="163" name="Google Shape;163;p27"/>
           <p:cNvPicPr preferRelativeResize="0"/>
           <p:nvPr/>
         </p:nvPicPr>
@@ -8213,13 +8409,13 @@
       </p:pic>
       <p:sp>
         <p:nvSpPr>
-          <p:cNvPr id="163" name="Google Shape;163;p27"/>
+          <p:cNvPr id="164" name="Google Shape;164;p27"/>
           <p:cNvSpPr txBox="1"/>
           <p:nvPr/>
         </p:nvSpPr>
         <p:spPr>
           <a:xfrm>
-            <a:off x="503400" y="4846125"/>
+            <a:off x="503400" y="4756200"/>
             <a:ext cx="8137200" cy="387300"/>
           </a:xfrm>
           <a:prstGeom prst="rect">
@@ -8246,6 +8442,38 @@
               <a:buNone/>
             </a:pPr>
             <a:r>
+              <a:rPr b="1" lang="en" sz="1200">
+                <a:solidFill>
+                  <a:schemeClr val="dk1"/>
+                </a:solidFill>
+              </a:rPr>
+              <a:t>Source:</a:t>
+            </a:r>
+            <a:r>
+              <a:rPr lang="en">
+                <a:solidFill>
+                  <a:schemeClr val="dk1"/>
+                </a:solidFill>
+              </a:rPr>
+              <a:t> </a:t>
+            </a:r>
+            <a:r>
+              <a:rPr lang="en" sz="1000">
+                <a:solidFill>
+                  <a:schemeClr val="dk1"/>
+                </a:solidFill>
+              </a:rPr>
+              <a:t>Table 8 -</a:t>
+            </a:r>
+            <a:r>
+              <a:rPr lang="en">
+                <a:solidFill>
+                  <a:schemeClr val="dk1"/>
+                </a:solidFill>
+              </a:rPr>
+              <a:t> </a:t>
+            </a:r>
+            <a:r>
               <a:rPr lang="en" sz="1100" u="sng">
                 <a:solidFill>
                   <a:schemeClr val="hlink"/>
@@ -8260,7 +8488,7 @@
       </p:sp>
       <p:sp>
         <p:nvSpPr>
-          <p:cNvPr id="164" name="Google Shape;164;p27"/>
+          <p:cNvPr id="165" name="Google Shape;165;p27"/>
           <p:cNvSpPr txBox="1"/>
           <p:nvPr/>
         </p:nvSpPr>
@@ -8317,7 +8545,7 @@
   <p:cSld>
     <p:spTree>
       <p:nvGrpSpPr>
-        <p:cNvPr id="168" name="Shape 168"/>
+        <p:cNvPr id="169" name="Shape 169"/>
         <p:cNvGrpSpPr/>
         <p:nvPr/>
       </p:nvGrpSpPr>
@@ -8331,7 +8559,7 @@
       </p:grpSpPr>
       <p:sp>
         <p:nvSpPr>
-          <p:cNvPr id="169" name="Google Shape;169;p28"/>
+          <p:cNvPr id="170" name="Google Shape;170;p28"/>
           <p:cNvSpPr txBox="1"/>
           <p:nvPr>
             <p:ph type="title"/>
@@ -8399,7 +8627,7 @@
       </p:sp>
       <p:pic>
         <p:nvPicPr>
-          <p:cNvPr id="170" name="Google Shape;170;p28"/>
+          <p:cNvPr id="171" name="Google Shape;171;p28"/>
           <p:cNvPicPr preferRelativeResize="0"/>
           <p:nvPr/>
         </p:nvPicPr>
@@ -8427,13 +8655,13 @@
       </p:pic>
       <p:sp>
         <p:nvSpPr>
-          <p:cNvPr id="171" name="Google Shape;171;p28"/>
+          <p:cNvPr id="172" name="Google Shape;172;p28"/>
           <p:cNvSpPr txBox="1"/>
           <p:nvPr/>
         </p:nvSpPr>
         <p:spPr>
           <a:xfrm>
-            <a:off x="340175" y="4850750"/>
+            <a:off x="340175" y="4715700"/>
             <a:ext cx="8328600" cy="427800"/>
           </a:xfrm>
           <a:prstGeom prst="rect">
@@ -8460,6 +8688,38 @@
               <a:buNone/>
             </a:pPr>
             <a:r>
+              <a:rPr b="1" lang="en" sz="1200">
+                <a:solidFill>
+                  <a:schemeClr val="dk1"/>
+                </a:solidFill>
+              </a:rPr>
+              <a:t>Source:</a:t>
+            </a:r>
+            <a:r>
+              <a:rPr lang="en">
+                <a:solidFill>
+                  <a:schemeClr val="dk1"/>
+                </a:solidFill>
+              </a:rPr>
+              <a:t> </a:t>
+            </a:r>
+            <a:r>
+              <a:rPr lang="en" sz="1000">
+                <a:solidFill>
+                  <a:schemeClr val="dk1"/>
+                </a:solidFill>
+              </a:rPr>
+              <a:t>Table 9 -</a:t>
+            </a:r>
+            <a:r>
+              <a:rPr lang="en">
+                <a:solidFill>
+                  <a:schemeClr val="dk1"/>
+                </a:solidFill>
+              </a:rPr>
+              <a:t> </a:t>
+            </a:r>
+            <a:r>
               <a:rPr lang="en" sz="1100" u="sng">
                 <a:solidFill>
                   <a:schemeClr val="hlink"/>
@@ -8474,7 +8734,7 @@
       </p:sp>
       <p:sp>
         <p:nvSpPr>
-          <p:cNvPr id="172" name="Google Shape;172;p28"/>
+          <p:cNvPr id="173" name="Google Shape;173;p28"/>
           <p:cNvSpPr txBox="1"/>
           <p:nvPr/>
         </p:nvSpPr>
@@ -8527,7 +8787,7 @@
   <p:cSld>
     <p:spTree>
       <p:nvGrpSpPr>
-        <p:cNvPr id="176" name="Shape 176"/>
+        <p:cNvPr id="177" name="Shape 177"/>
         <p:cNvGrpSpPr/>
         <p:nvPr/>
       </p:nvGrpSpPr>
@@ -8541,7 +8801,7 @@
       </p:grpSpPr>
       <p:sp>
         <p:nvSpPr>
-          <p:cNvPr id="177" name="Google Shape;177;p29"/>
+          <p:cNvPr id="178" name="Google Shape;178;p29"/>
           <p:cNvSpPr txBox="1"/>
           <p:nvPr>
             <p:ph type="title"/>
@@ -8589,7 +8849,7 @@
       </p:sp>
       <p:sp>
         <p:nvSpPr>
-          <p:cNvPr id="178" name="Google Shape;178;p29"/>
+          <p:cNvPr id="179" name="Google Shape;179;p29"/>
           <p:cNvSpPr txBox="1"/>
           <p:nvPr>
             <p:ph idx="1" type="body"/>
@@ -8625,7 +8885,11 @@
             </a:pPr>
             <a:r>
               <a:rPr lang="en"/>
-              <a:t>News and social media posts - common due to controversial nature.</a:t>
+              <a:t>Commonly archived content - </a:t>
+            </a:r>
+            <a:r>
+              <a:rPr lang="en"/>
+              <a:t>News and social media posts.</a:t>
             </a:r>
             <a:endParaRPr/>
           </a:p>
@@ -8645,7 +8909,7 @@
             </a:pPr>
             <a:r>
               <a:rPr lang="en"/>
-              <a:t>URLs of archiving services are extensively shared on “fringe” communities within above discussed social networks favoring archive.is URLs and to bypass censorship policies in some platforms.</a:t>
+              <a:t>Archived URLs are mostly shared on “fringe” communities within above discussed social networks favoring archive.is URLs and to bypass censorship policies in some platforms.</a:t>
             </a:r>
             <a:endParaRPr/>
           </a:p>
@@ -8665,11 +8929,19 @@
             </a:pPr>
             <a:r>
               <a:rPr lang="en"/>
-              <a:t>Reddit bots are responsible for posting large portion of archive URLs in the sub</a:t>
+              <a:t>Bots are responsible for posting large portion of archive URLs</a:t>
             </a:r>
             <a:r>
               <a:rPr lang="en"/>
-              <a:t>reddits.The_Donald subreddit targets ad revenue of news sources by blocking URLs and advice users to post archive URLs instead.</a:t>
+              <a:t>.</a:t>
+            </a:r>
+            <a:r>
+              <a:rPr i="1" lang="en"/>
+              <a:t>The_Donald</a:t>
+            </a:r>
+            <a:r>
+              <a:rPr lang="en"/>
+              <a:t> subreddit targets ad revenue of news sources by blocking URLs and instead suggest users to post archive URLs.</a:t>
             </a:r>
             <a:endParaRPr/>
           </a:p>
@@ -9877,7 +10149,7 @@
             </a:r>
             <a:r>
               <a:rPr b="1" lang="en"/>
-              <a:t>http://archive. is/livefeed/</a:t>
+              <a:t>http://archive.is/livefeed/</a:t>
             </a:r>
             <a:endParaRPr b="1"/>
           </a:p>
@@ -9978,6 +10250,22 @@
               </a:spcAft>
               <a:buNone/>
             </a:pPr>
+            <a:r>
+              <a:rPr b="1" lang="en" sz="1200"/>
+              <a:t>Source: </a:t>
+            </a:r>
+            <a:r>
+              <a:rPr lang="en" sz="1000"/>
+              <a:t>Table1 </a:t>
+            </a:r>
+            <a:r>
+              <a:rPr lang="en" sz="1200"/>
+              <a:t>-</a:t>
+            </a:r>
+            <a:r>
+              <a:rPr lang="en"/>
+              <a:t> </a:t>
+            </a:r>
             <a:r>
               <a:rPr lang="en" sz="1100" u="sng">
                 <a:solidFill>
@@ -10126,6 +10414,22 @@
               </a:spcAft>
               <a:buNone/>
             </a:pPr>
+            <a:r>
+              <a:rPr b="1" lang="en" sz="1200"/>
+              <a:t>Source:</a:t>
+            </a:r>
+            <a:r>
+              <a:rPr lang="en"/>
+              <a:t> </a:t>
+            </a:r>
+            <a:r>
+              <a:rPr lang="en" sz="1000"/>
+              <a:t>Table 2</a:t>
+            </a:r>
+            <a:r>
+              <a:rPr lang="en"/>
+              <a:t> - </a:t>
+            </a:r>
             <a:r>
               <a:rPr lang="en" sz="1100" u="sng">
                 <a:solidFill>
@@ -10711,6 +11015,38 @@
               <a:buNone/>
             </a:pPr>
             <a:r>
+              <a:rPr b="1" lang="en" sz="1200">
+                <a:solidFill>
+                  <a:schemeClr val="dk1"/>
+                </a:solidFill>
+              </a:rPr>
+              <a:t>Source:</a:t>
+            </a:r>
+            <a:r>
+              <a:rPr lang="en">
+                <a:solidFill>
+                  <a:schemeClr val="dk1"/>
+                </a:solidFill>
+              </a:rPr>
+              <a:t> </a:t>
+            </a:r>
+            <a:r>
+              <a:rPr lang="en" sz="1000">
+                <a:solidFill>
+                  <a:schemeClr val="dk1"/>
+                </a:solidFill>
+              </a:rPr>
+              <a:t>Figure 1 -</a:t>
+            </a:r>
+            <a:r>
+              <a:rPr lang="en">
+                <a:solidFill>
+                  <a:schemeClr val="dk1"/>
+                </a:solidFill>
+              </a:rPr>
+              <a:t> </a:t>
+            </a:r>
+            <a:r>
               <a:rPr lang="en" sz="1100" u="sng">
                 <a:solidFill>
                   <a:schemeClr val="hlink"/>
@@ -10732,6 +11068,285 @@
 </file>
 
 <file path=ppt/theme/theme1.xml><?xml version="1.0" encoding="utf-8"?>
+<a:theme xmlns:a="http://schemas.openxmlformats.org/drawingml/2006/main" xmlns:r="http://schemas.openxmlformats.org/officeDocument/2006/relationships">
+  <a:themeElements>
+    <a:clrScheme name="Default">
+      <a:dk1>
+        <a:srgbClr val="000000"/>
+      </a:dk1>
+      <a:lt1>
+        <a:srgbClr val="FFFFFF"/>
+      </a:lt1>
+      <a:dk2>
+        <a:srgbClr val="158158"/>
+      </a:dk2>
+      <a:lt2>
+        <a:srgbClr val="F3F3F3"/>
+      </a:lt2>
+      <a:accent1>
+        <a:srgbClr val="058DC7"/>
+      </a:accent1>
+      <a:accent2>
+        <a:srgbClr val="50B432"/>
+      </a:accent2>
+      <a:accent3>
+        <a:srgbClr val="ED561B"/>
+      </a:accent3>
+      <a:accent4>
+        <a:srgbClr val="EDEF00"/>
+      </a:accent4>
+      <a:accent5>
+        <a:srgbClr val="24CBE5"/>
+      </a:accent5>
+      <a:accent6>
+        <a:srgbClr val="64E572"/>
+      </a:accent6>
+      <a:hlink>
+        <a:srgbClr val="2200CC"/>
+      </a:hlink>
+      <a:folHlink>
+        <a:srgbClr val="551A8B"/>
+      </a:folHlink>
+    </a:clrScheme>
+    <a:fontScheme name="Office">
+      <a:majorFont>
+        <a:latin typeface="Arial"/>
+        <a:ea typeface=""/>
+        <a:cs typeface=""/>
+        <a:font script="Jpan" typeface="ＭＳ Ｐゴシック"/>
+        <a:font script="Hang" typeface="맑은 고딕"/>
+        <a:font script="Hans" typeface="宋体"/>
+        <a:font script="Hant" typeface="新細明體"/>
+        <a:font script="Arab" typeface="Times New Roman"/>
+        <a:font script="Hebr" typeface="Times New Roman"/>
+        <a:font script="Thai" typeface="Angsana New"/>
+        <a:font script="Ethi" typeface="Nyala"/>
+        <a:font script="Beng" typeface="Vrinda"/>
+        <a:font script="Gujr" typeface="Shruti"/>
+        <a:font script="Khmr" typeface="MoolBoran"/>
+        <a:font script="Knda" typeface="Tunga"/>
+        <a:font script="Guru" typeface="Raavi"/>
+        <a:font script="Cans" typeface="Euphemia"/>
+        <a:font script="Cher" typeface="Plantagenet Cherokee"/>
+        <a:font script="Yiii" typeface="Microsoft Yi Baiti"/>
+        <a:font script="Tibt" typeface="Microsoft Himalaya"/>
+        <a:font script="Thaa" typeface="MV Boli"/>
+        <a:font script="Deva" typeface="Mangal"/>
+        <a:font script="Telu" typeface="Gautami"/>
+        <a:font script="Taml" typeface="Latha"/>
+        <a:font script="Syrc" typeface="Estrangelo Edessa"/>
+        <a:font script="Orya" typeface="Kalinga"/>
+        <a:font script="Mlym" typeface="Kartika"/>
+        <a:font script="Laoo" typeface="DokChampa"/>
+        <a:font script="Sinh" typeface="Iskoola Pota"/>
+        <a:font script="Mong" typeface="Mongolian Baiti"/>
+        <a:font script="Viet" typeface="Times New Roman"/>
+        <a:font script="Uigh" typeface="Microsoft Uighur"/>
+        <a:font script="Geor" typeface="Sylfaen"/>
+      </a:majorFont>
+      <a:minorFont>
+        <a:latin typeface="Arial"/>
+        <a:ea typeface=""/>
+        <a:cs typeface=""/>
+        <a:font script="Jpan" typeface="ＭＳ Ｐゴシック"/>
+        <a:font script="Hang" typeface="맑은 고딕"/>
+        <a:font script="Hans" typeface="宋体"/>
+        <a:font script="Hant" typeface="新細明體"/>
+        <a:font script="Arab" typeface="Arial"/>
+        <a:font script="Hebr" typeface="Arial"/>
+        <a:font script="Thai" typeface="Cordia New"/>
+        <a:font script="Ethi" typeface="Nyala"/>
+        <a:font script="Beng" typeface="Vrinda"/>
+        <a:font script="Gujr" typeface="Shruti"/>
+        <a:font script="Khmr" typeface="DaunPenh"/>
+        <a:font script="Knda" typeface="Tunga"/>
+        <a:font script="Guru" typeface="Raavi"/>
+        <a:font script="Cans" typeface="Euphemia"/>
+        <a:font script="Cher" typeface="Plantagenet Cherokee"/>
+        <a:font script="Yiii" typeface="Microsoft Yi Baiti"/>
+        <a:font script="Tibt" typeface="Microsoft Himalaya"/>
+        <a:font script="Thaa" typeface="MV Boli"/>
+        <a:font script="Deva" typeface="Mangal"/>
+        <a:font script="Telu" typeface="Gautami"/>
+        <a:font script="Taml" typeface="Latha"/>
+        <a:font script="Syrc" typeface="Estrangelo Edessa"/>
+        <a:font script="Orya" typeface="Kalinga"/>
+        <a:font script="Mlym" typeface="Kartika"/>
+        <a:font script="Laoo" typeface="DokChampa"/>
+        <a:font script="Sinh" typeface="Iskoola Pota"/>
+        <a:font script="Mong" typeface="Mongolian Baiti"/>
+        <a:font script="Viet" typeface="Arial"/>
+        <a:font script="Uigh" typeface="Microsoft Uighur"/>
+        <a:font script="Geor" typeface="Sylfaen"/>
+      </a:minorFont>
+    </a:fontScheme>
+    <a:fmtScheme name="Office">
+      <a:fillStyleLst>
+        <a:solidFill>
+          <a:schemeClr val="phClr"/>
+        </a:solidFill>
+        <a:gradFill rotWithShape="1">
+          <a:gsLst>
+            <a:gs pos="0">
+              <a:schemeClr val="phClr">
+                <a:tint val="50000"/>
+                <a:satMod val="300000"/>
+              </a:schemeClr>
+            </a:gs>
+            <a:gs pos="35000">
+              <a:schemeClr val="phClr">
+                <a:tint val="37000"/>
+                <a:satMod val="300000"/>
+              </a:schemeClr>
+            </a:gs>
+            <a:gs pos="100000">
+              <a:schemeClr val="phClr">
+                <a:tint val="15000"/>
+                <a:satMod val="350000"/>
+              </a:schemeClr>
+            </a:gs>
+          </a:gsLst>
+          <a:lin ang="16200000" scaled="1"/>
+        </a:gradFill>
+        <a:gradFill rotWithShape="1">
+          <a:gsLst>
+            <a:gs pos="0">
+              <a:schemeClr val="phClr">
+                <a:tint val="100000"/>
+                <a:shade val="100000"/>
+                <a:satMod val="130000"/>
+              </a:schemeClr>
+            </a:gs>
+            <a:gs pos="100000">
+              <a:schemeClr val="phClr">
+                <a:tint val="50000"/>
+                <a:shade val="100000"/>
+                <a:satMod val="350000"/>
+              </a:schemeClr>
+            </a:gs>
+          </a:gsLst>
+          <a:lin ang="16200000" scaled="0"/>
+        </a:gradFill>
+      </a:fillStyleLst>
+      <a:lnStyleLst>
+        <a:ln w="9525" cap="flat" cmpd="sng" algn="ctr">
+          <a:solidFill>
+            <a:schemeClr val="phClr">
+              <a:shade val="95000"/>
+              <a:satMod val="105000"/>
+            </a:schemeClr>
+          </a:solidFill>
+          <a:prstDash val="solid"/>
+        </a:ln>
+        <a:ln w="25400" cap="flat" cmpd="sng" algn="ctr">
+          <a:solidFill>
+            <a:schemeClr val="phClr"/>
+          </a:solidFill>
+          <a:prstDash val="solid"/>
+        </a:ln>
+        <a:ln w="38100" cap="flat" cmpd="sng" algn="ctr">
+          <a:solidFill>
+            <a:schemeClr val="phClr"/>
+          </a:solidFill>
+          <a:prstDash val="solid"/>
+        </a:ln>
+      </a:lnStyleLst>
+      <a:effectStyleLst>
+        <a:effectStyle>
+          <a:effectLst>
+            <a:outerShdw blurRad="40000" dist="20000" dir="5400000" rotWithShape="0">
+              <a:srgbClr val="000000">
+                <a:alpha val="38000"/>
+              </a:srgbClr>
+            </a:outerShdw>
+          </a:effectLst>
+        </a:effectStyle>
+        <a:effectStyle>
+          <a:effectLst>
+            <a:outerShdw blurRad="40000" dist="23000" dir="5400000" rotWithShape="0">
+              <a:srgbClr val="000000">
+                <a:alpha val="35000"/>
+              </a:srgbClr>
+            </a:outerShdw>
+          </a:effectLst>
+        </a:effectStyle>
+        <a:effectStyle>
+          <a:effectLst>
+            <a:outerShdw blurRad="40000" dist="23000" dir="5400000" rotWithShape="0">
+              <a:srgbClr val="000000">
+                <a:alpha val="35000"/>
+              </a:srgbClr>
+            </a:outerShdw>
+          </a:effectLst>
+          <a:scene3d>
+            <a:camera prst="orthographicFront">
+              <a:rot lat="0" lon="0" rev="0"/>
+            </a:camera>
+            <a:lightRig rig="threePt" dir="t">
+              <a:rot lat="0" lon="0" rev="1200000"/>
+            </a:lightRig>
+          </a:scene3d>
+          <a:sp3d>
+            <a:bevelT w="63500" h="25400"/>
+          </a:sp3d>
+        </a:effectStyle>
+      </a:effectStyleLst>
+      <a:bgFillStyleLst>
+        <a:solidFill>
+          <a:schemeClr val="phClr"/>
+        </a:solidFill>
+        <a:gradFill rotWithShape="1">
+          <a:gsLst>
+            <a:gs pos="0">
+              <a:schemeClr val="phClr">
+                <a:tint val="40000"/>
+                <a:satMod val="350000"/>
+              </a:schemeClr>
+            </a:gs>
+            <a:gs pos="40000">
+              <a:schemeClr val="phClr">
+                <a:tint val="45000"/>
+                <a:shade val="99000"/>
+                <a:satMod val="350000"/>
+              </a:schemeClr>
+            </a:gs>
+            <a:gs pos="100000">
+              <a:schemeClr val="phClr">
+                <a:shade val="20000"/>
+                <a:satMod val="255000"/>
+              </a:schemeClr>
+            </a:gs>
+          </a:gsLst>
+          <a:path path="circle">
+            <a:fillToRect l="50000" t="-80000" r="50000" b="180000"/>
+          </a:path>
+        </a:gradFill>
+        <a:gradFill rotWithShape="1">
+          <a:gsLst>
+            <a:gs pos="0">
+              <a:schemeClr val="phClr">
+                <a:tint val="80000"/>
+                <a:satMod val="300000"/>
+              </a:schemeClr>
+            </a:gs>
+            <a:gs pos="100000">
+              <a:schemeClr val="phClr">
+                <a:shade val="30000"/>
+                <a:satMod val="200000"/>
+              </a:schemeClr>
+            </a:gs>
+          </a:gsLst>
+          <a:path path="circle">
+            <a:fillToRect l="50000" t="50000" r="50000" b="50000"/>
+          </a:path>
+        </a:gradFill>
+      </a:bgFillStyleLst>
+    </a:fmtScheme>
+  </a:themeElements>
+</a:theme>
+</file>
+
+<file path=ppt/theme/theme2.xml><?xml version="1.0" encoding="utf-8"?>
 <a:theme xmlns:a="http://schemas.openxmlformats.org/drawingml/2006/main" xmlns:r="http://schemas.openxmlformats.org/officeDocument/2006/relationships" name="Simple Light">
   <a:themeElements>
     <a:clrScheme name="Simple Light">
@@ -11008,283 +11623,4 @@
     </a:fmtScheme>
   </a:themeElements>
 </a:theme>
-</file>
-
-<file path=ppt/theme/theme2.xml><?xml version="1.0" encoding="utf-8"?>
-<a:theme xmlns:a="http://schemas.openxmlformats.org/drawingml/2006/main" xmlns:r="http://schemas.openxmlformats.org/officeDocument/2006/relationships">
-  <a:themeElements>
-    <a:clrScheme name="Default">
-      <a:dk1>
-        <a:srgbClr val="000000"/>
-      </a:dk1>
-      <a:lt1>
-        <a:srgbClr val="FFFFFF"/>
-      </a:lt1>
-      <a:dk2>
-        <a:srgbClr val="158158"/>
-      </a:dk2>
-      <a:lt2>
-        <a:srgbClr val="F3F3F3"/>
-      </a:lt2>
-      <a:accent1>
-        <a:srgbClr val="058DC7"/>
-      </a:accent1>
-      <a:accent2>
-        <a:srgbClr val="50B432"/>
-      </a:accent2>
-      <a:accent3>
-        <a:srgbClr val="ED561B"/>
-      </a:accent3>
-      <a:accent4>
-        <a:srgbClr val="EDEF00"/>
-      </a:accent4>
-      <a:accent5>
-        <a:srgbClr val="24CBE5"/>
-      </a:accent5>
-      <a:accent6>
-        <a:srgbClr val="64E572"/>
-      </a:accent6>
-      <a:hlink>
-        <a:srgbClr val="2200CC"/>
-      </a:hlink>
-      <a:folHlink>
-        <a:srgbClr val="551A8B"/>
-      </a:folHlink>
-    </a:clrScheme>
-    <a:fontScheme name="Office">
-      <a:majorFont>
-        <a:latin typeface="Arial"/>
-        <a:ea typeface=""/>
-        <a:cs typeface=""/>
-        <a:font script="Jpan" typeface="ＭＳ Ｐゴシック"/>
-        <a:font script="Hang" typeface="맑은 고딕"/>
-        <a:font script="Hans" typeface="宋体"/>
-        <a:font script="Hant" typeface="新細明體"/>
-        <a:font script="Arab" typeface="Times New Roman"/>
-        <a:font script="Hebr" typeface="Times New Roman"/>
-        <a:font script="Thai" typeface="Angsana New"/>
-        <a:font script="Ethi" typeface="Nyala"/>
-        <a:font script="Beng" typeface="Vrinda"/>
-        <a:font script="Gujr" typeface="Shruti"/>
-        <a:font script="Khmr" typeface="MoolBoran"/>
-        <a:font script="Knda" typeface="Tunga"/>
-        <a:font script="Guru" typeface="Raavi"/>
-        <a:font script="Cans" typeface="Euphemia"/>
-        <a:font script="Cher" typeface="Plantagenet Cherokee"/>
-        <a:font script="Yiii" typeface="Microsoft Yi Baiti"/>
-        <a:font script="Tibt" typeface="Microsoft Himalaya"/>
-        <a:font script="Thaa" typeface="MV Boli"/>
-        <a:font script="Deva" typeface="Mangal"/>
-        <a:font script="Telu" typeface="Gautami"/>
-        <a:font script="Taml" typeface="Latha"/>
-        <a:font script="Syrc" typeface="Estrangelo Edessa"/>
-        <a:font script="Orya" typeface="Kalinga"/>
-        <a:font script="Mlym" typeface="Kartika"/>
-        <a:font script="Laoo" typeface="DokChampa"/>
-        <a:font script="Sinh" typeface="Iskoola Pota"/>
-        <a:font script="Mong" typeface="Mongolian Baiti"/>
-        <a:font script="Viet" typeface="Times New Roman"/>
-        <a:font script="Uigh" typeface="Microsoft Uighur"/>
-        <a:font script="Geor" typeface="Sylfaen"/>
-      </a:majorFont>
-      <a:minorFont>
-        <a:latin typeface="Arial"/>
-        <a:ea typeface=""/>
-        <a:cs typeface=""/>
-        <a:font script="Jpan" typeface="ＭＳ Ｐゴシック"/>
-        <a:font script="Hang" typeface="맑은 고딕"/>
-        <a:font script="Hans" typeface="宋体"/>
-        <a:font script="Hant" typeface="新細明體"/>
-        <a:font script="Arab" typeface="Arial"/>
-        <a:font script="Hebr" typeface="Arial"/>
-        <a:font script="Thai" typeface="Cordia New"/>
-        <a:font script="Ethi" typeface="Nyala"/>
-        <a:font script="Beng" typeface="Vrinda"/>
-        <a:font script="Gujr" typeface="Shruti"/>
-        <a:font script="Khmr" typeface="DaunPenh"/>
-        <a:font script="Knda" typeface="Tunga"/>
-        <a:font script="Guru" typeface="Raavi"/>
-        <a:font script="Cans" typeface="Euphemia"/>
-        <a:font script="Cher" typeface="Plantagenet Cherokee"/>
-        <a:font script="Yiii" typeface="Microsoft Yi Baiti"/>
-        <a:font script="Tibt" typeface="Microsoft Himalaya"/>
-        <a:font script="Thaa" typeface="MV Boli"/>
-        <a:font script="Deva" typeface="Mangal"/>
-        <a:font script="Telu" typeface="Gautami"/>
-        <a:font script="Taml" typeface="Latha"/>
-        <a:font script="Syrc" typeface="Estrangelo Edessa"/>
-        <a:font script="Orya" typeface="Kalinga"/>
-        <a:font script="Mlym" typeface="Kartika"/>
-        <a:font script="Laoo" typeface="DokChampa"/>
-        <a:font script="Sinh" typeface="Iskoola Pota"/>
-        <a:font script="Mong" typeface="Mongolian Baiti"/>
-        <a:font script="Viet" typeface="Arial"/>
-        <a:font script="Uigh" typeface="Microsoft Uighur"/>
-        <a:font script="Geor" typeface="Sylfaen"/>
-      </a:minorFont>
-    </a:fontScheme>
-    <a:fmtScheme name="Office">
-      <a:fillStyleLst>
-        <a:solidFill>
-          <a:schemeClr val="phClr"/>
-        </a:solidFill>
-        <a:gradFill rotWithShape="1">
-          <a:gsLst>
-            <a:gs pos="0">
-              <a:schemeClr val="phClr">
-                <a:tint val="50000"/>
-                <a:satMod val="300000"/>
-              </a:schemeClr>
-            </a:gs>
-            <a:gs pos="35000">
-              <a:schemeClr val="phClr">
-                <a:tint val="37000"/>
-                <a:satMod val="300000"/>
-              </a:schemeClr>
-            </a:gs>
-            <a:gs pos="100000">
-              <a:schemeClr val="phClr">
-                <a:tint val="15000"/>
-                <a:satMod val="350000"/>
-              </a:schemeClr>
-            </a:gs>
-          </a:gsLst>
-          <a:lin ang="16200000" scaled="1"/>
-        </a:gradFill>
-        <a:gradFill rotWithShape="1">
-          <a:gsLst>
-            <a:gs pos="0">
-              <a:schemeClr val="phClr">
-                <a:tint val="100000"/>
-                <a:shade val="100000"/>
-                <a:satMod val="130000"/>
-              </a:schemeClr>
-            </a:gs>
-            <a:gs pos="100000">
-              <a:schemeClr val="phClr">
-                <a:tint val="50000"/>
-                <a:shade val="100000"/>
-                <a:satMod val="350000"/>
-              </a:schemeClr>
-            </a:gs>
-          </a:gsLst>
-          <a:lin ang="16200000" scaled="0"/>
-        </a:gradFill>
-      </a:fillStyleLst>
-      <a:lnStyleLst>
-        <a:ln w="9525" cap="flat" cmpd="sng" algn="ctr">
-          <a:solidFill>
-            <a:schemeClr val="phClr">
-              <a:shade val="95000"/>
-              <a:satMod val="105000"/>
-            </a:schemeClr>
-          </a:solidFill>
-          <a:prstDash val="solid"/>
-        </a:ln>
-        <a:ln w="25400" cap="flat" cmpd="sng" algn="ctr">
-          <a:solidFill>
-            <a:schemeClr val="phClr"/>
-          </a:solidFill>
-          <a:prstDash val="solid"/>
-        </a:ln>
-        <a:ln w="38100" cap="flat" cmpd="sng" algn="ctr">
-          <a:solidFill>
-            <a:schemeClr val="phClr"/>
-          </a:solidFill>
-          <a:prstDash val="solid"/>
-        </a:ln>
-      </a:lnStyleLst>
-      <a:effectStyleLst>
-        <a:effectStyle>
-          <a:effectLst>
-            <a:outerShdw blurRad="40000" dist="20000" dir="5400000" rotWithShape="0">
-              <a:srgbClr val="000000">
-                <a:alpha val="38000"/>
-              </a:srgbClr>
-            </a:outerShdw>
-          </a:effectLst>
-        </a:effectStyle>
-        <a:effectStyle>
-          <a:effectLst>
-            <a:outerShdw blurRad="40000" dist="23000" dir="5400000" rotWithShape="0">
-              <a:srgbClr val="000000">
-                <a:alpha val="35000"/>
-              </a:srgbClr>
-            </a:outerShdw>
-          </a:effectLst>
-        </a:effectStyle>
-        <a:effectStyle>
-          <a:effectLst>
-            <a:outerShdw blurRad="40000" dist="23000" dir="5400000" rotWithShape="0">
-              <a:srgbClr val="000000">
-                <a:alpha val="35000"/>
-              </a:srgbClr>
-            </a:outerShdw>
-          </a:effectLst>
-          <a:scene3d>
-            <a:camera prst="orthographicFront">
-              <a:rot lat="0" lon="0" rev="0"/>
-            </a:camera>
-            <a:lightRig rig="threePt" dir="t">
-              <a:rot lat="0" lon="0" rev="1200000"/>
-            </a:lightRig>
-          </a:scene3d>
-          <a:sp3d>
-            <a:bevelT w="63500" h="25400"/>
-          </a:sp3d>
-        </a:effectStyle>
-      </a:effectStyleLst>
-      <a:bgFillStyleLst>
-        <a:solidFill>
-          <a:schemeClr val="phClr"/>
-        </a:solidFill>
-        <a:gradFill rotWithShape="1">
-          <a:gsLst>
-            <a:gs pos="0">
-              <a:schemeClr val="phClr">
-                <a:tint val="40000"/>
-                <a:satMod val="350000"/>
-              </a:schemeClr>
-            </a:gs>
-            <a:gs pos="40000">
-              <a:schemeClr val="phClr">
-                <a:tint val="45000"/>
-                <a:shade val="99000"/>
-                <a:satMod val="350000"/>
-              </a:schemeClr>
-            </a:gs>
-            <a:gs pos="100000">
-              <a:schemeClr val="phClr">
-                <a:shade val="20000"/>
-                <a:satMod val="255000"/>
-              </a:schemeClr>
-            </a:gs>
-          </a:gsLst>
-          <a:path path="circle">
-            <a:fillToRect l="50000" t="-80000" r="50000" b="180000"/>
-          </a:path>
-        </a:gradFill>
-        <a:gradFill rotWithShape="1">
-          <a:gsLst>
-            <a:gs pos="0">
-              <a:schemeClr val="phClr">
-                <a:tint val="80000"/>
-                <a:satMod val="300000"/>
-              </a:schemeClr>
-            </a:gs>
-            <a:gs pos="100000">
-              <a:schemeClr val="phClr">
-                <a:shade val="30000"/>
-                <a:satMod val="200000"/>
-              </a:schemeClr>
-            </a:gs>
-          </a:gsLst>
-          <a:path path="circle">
-            <a:fillToRect l="50000" t="50000" r="50000" b="50000"/>
-          </a:path>
-        </a:gradFill>
-      </a:bgFillStyleLst>
-    </a:fmtScheme>
-  </a:themeElements>
-</a:theme>
 </file>